--- a/images/images.pptx
+++ b/images/images.pptx
@@ -270,7 +270,7 @@
           <a:p>
             <a:fld id="{61D8B2E1-68E5-4673-9A0B-FE20F485CC0E}" type="datetimeFigureOut">
               <a:rPr lang="en-US" smtClean="0"/>
-              <a:t>11/26/2023</a:t>
+              <a:t>6/27/25</a:t>
             </a:fld>
             <a:endParaRPr lang="en-US"/>
           </a:p>
@@ -468,7 +468,7 @@
           <a:p>
             <a:fld id="{61D8B2E1-68E5-4673-9A0B-FE20F485CC0E}" type="datetimeFigureOut">
               <a:rPr lang="en-US" smtClean="0"/>
-              <a:t>11/26/2023</a:t>
+              <a:t>6/27/25</a:t>
             </a:fld>
             <a:endParaRPr lang="en-US"/>
           </a:p>
@@ -676,7 +676,7 @@
           <a:p>
             <a:fld id="{61D8B2E1-68E5-4673-9A0B-FE20F485CC0E}" type="datetimeFigureOut">
               <a:rPr lang="en-US" smtClean="0"/>
-              <a:t>11/26/2023</a:t>
+              <a:t>6/27/25</a:t>
             </a:fld>
             <a:endParaRPr lang="en-US"/>
           </a:p>
@@ -874,7 +874,7 @@
           <a:p>
             <a:fld id="{61D8B2E1-68E5-4673-9A0B-FE20F485CC0E}" type="datetimeFigureOut">
               <a:rPr lang="en-US" smtClean="0"/>
-              <a:t>11/26/2023</a:t>
+              <a:t>6/27/25</a:t>
             </a:fld>
             <a:endParaRPr lang="en-US"/>
           </a:p>
@@ -1149,7 +1149,7 @@
           <a:p>
             <a:fld id="{61D8B2E1-68E5-4673-9A0B-FE20F485CC0E}" type="datetimeFigureOut">
               <a:rPr lang="en-US" smtClean="0"/>
-              <a:t>11/26/2023</a:t>
+              <a:t>6/27/25</a:t>
             </a:fld>
             <a:endParaRPr lang="en-US"/>
           </a:p>
@@ -1414,7 +1414,7 @@
           <a:p>
             <a:fld id="{61D8B2E1-68E5-4673-9A0B-FE20F485CC0E}" type="datetimeFigureOut">
               <a:rPr lang="en-US" smtClean="0"/>
-              <a:t>11/26/2023</a:t>
+              <a:t>6/27/25</a:t>
             </a:fld>
             <a:endParaRPr lang="en-US"/>
           </a:p>
@@ -1826,7 +1826,7 @@
           <a:p>
             <a:fld id="{61D8B2E1-68E5-4673-9A0B-FE20F485CC0E}" type="datetimeFigureOut">
               <a:rPr lang="en-US" smtClean="0"/>
-              <a:t>11/26/2023</a:t>
+              <a:t>6/27/25</a:t>
             </a:fld>
             <a:endParaRPr lang="en-US"/>
           </a:p>
@@ -1967,7 +1967,7 @@
           <a:p>
             <a:fld id="{61D8B2E1-68E5-4673-9A0B-FE20F485CC0E}" type="datetimeFigureOut">
               <a:rPr lang="en-US" smtClean="0"/>
-              <a:t>11/26/2023</a:t>
+              <a:t>6/27/25</a:t>
             </a:fld>
             <a:endParaRPr lang="en-US"/>
           </a:p>
@@ -2080,7 +2080,7 @@
           <a:p>
             <a:fld id="{61D8B2E1-68E5-4673-9A0B-FE20F485CC0E}" type="datetimeFigureOut">
               <a:rPr lang="en-US" smtClean="0"/>
-              <a:t>11/26/2023</a:t>
+              <a:t>6/27/25</a:t>
             </a:fld>
             <a:endParaRPr lang="en-US"/>
           </a:p>
@@ -2391,7 +2391,7 @@
           <a:p>
             <a:fld id="{61D8B2E1-68E5-4673-9A0B-FE20F485CC0E}" type="datetimeFigureOut">
               <a:rPr lang="en-US" smtClean="0"/>
-              <a:t>11/26/2023</a:t>
+              <a:t>6/27/25</a:t>
             </a:fld>
             <a:endParaRPr lang="en-US"/>
           </a:p>
@@ -2679,7 +2679,7 @@
           <a:p>
             <a:fld id="{61D8B2E1-68E5-4673-9A0B-FE20F485CC0E}" type="datetimeFigureOut">
               <a:rPr lang="en-US" smtClean="0"/>
-              <a:t>11/26/2023</a:t>
+              <a:t>6/27/25</a:t>
             </a:fld>
             <a:endParaRPr lang="en-US"/>
           </a:p>
@@ -2920,7 +2920,7 @@
           <a:p>
             <a:fld id="{61D8B2E1-68E5-4673-9A0B-FE20F485CC0E}" type="datetimeFigureOut">
               <a:rPr lang="en-US" smtClean="0"/>
-              <a:t>11/26/2023</a:t>
+              <a:t>6/27/25</a:t>
             </a:fld>
             <a:endParaRPr lang="en-US"/>
           </a:p>
@@ -3571,6 +3571,42 @@
           </a:p>
         </p:txBody>
       </p:sp>
+      <p:pic>
+        <p:nvPicPr>
+          <p:cNvPr id="2" name="Picture 1" descr="A person in a white dress&#10;&#10;AI-generated content may be incorrect.">
+            <a:extLst>
+              <a:ext uri="{FF2B5EF4-FFF2-40B4-BE49-F238E27FC236}">
+                <a16:creationId xmlns:a16="http://schemas.microsoft.com/office/drawing/2014/main" id="{CAA9EDC7-7F56-E512-A633-2EB8728598B2}"/>
+              </a:ext>
+            </a:extLst>
+          </p:cNvPr>
+          <p:cNvPicPr>
+            <a:picLocks noChangeAspect="1"/>
+          </p:cNvPicPr>
+          <p:nvPr/>
+        </p:nvPicPr>
+        <p:blipFill>
+          <a:blip r:embed="rId7">
+            <a:extLst>
+              <a:ext uri="{28A0092B-C50C-407E-A947-70E740481C1C}">
+                <a14:useLocalDpi xmlns:a14="http://schemas.microsoft.com/office/drawing/2010/main" val="0"/>
+              </a:ext>
+            </a:extLst>
+          </a:blip>
+          <a:stretch>
+            <a:fillRect/>
+          </a:stretch>
+        </p:blipFill>
+        <p:spPr>
+          <a:xfrm>
+            <a:off x="3001503" y="1964464"/>
+            <a:ext cx="2994919" cy="2339203"/>
+          </a:xfrm>
+          <a:prstGeom prst="rect">
+            <a:avLst/>
+          </a:prstGeom>
+        </p:spPr>
+      </p:pic>
     </p:spTree>
     <p:extLst>
       <p:ext uri="{BB962C8B-B14F-4D97-AF65-F5344CB8AC3E}">
